--- a/OnderzoeksframeworkHTMLCSS/HTMLCSS.pptx
+++ b/OnderzoeksframeworkHTMLCSS/HTMLCSS.pptx
@@ -6,6 +6,13 @@
   </p:sldMasterIdLst>
   <p:sldIdLst>
     <p:sldId id="256" r:id="rId2"/>
+    <p:sldId id="260" r:id="rId3"/>
+    <p:sldId id="257" r:id="rId4"/>
+    <p:sldId id="258" r:id="rId5"/>
+    <p:sldId id="259" r:id="rId6"/>
+    <p:sldId id="261" r:id="rId7"/>
+    <p:sldId id="262" r:id="rId8"/>
+    <p:sldId id="263" r:id="rId9"/>
   </p:sldIdLst>
   <p:sldSz cx="12192000" cy="6858000"/>
   <p:notesSz cx="6858000" cy="9144000"/>
@@ -104,6 +111,11 @@
       </a:defRPr>
     </a:lvl9pPr>
   </p:defaultTextStyle>
+  <p:extLst>
+    <p:ext uri="{EFAFB233-063F-42B5-8137-9DF3F51BA10A}">
+      <p15:sldGuideLst xmlns:p15="http://schemas.microsoft.com/office/powerpoint/2012/main"/>
+    </p:ext>
+  </p:extLst>
 </p:presentation>
 </file>
 
@@ -3363,7 +3375,10 @@
           <a:bodyPr/>
           <a:lstStyle/>
           <a:p>
-            <a:endParaRPr lang="en-NL"/>
+            <a:r>
+              <a:rPr lang="en-NL" dirty="0"/>
+              <a:t>HTML &amp; CSS</a:t>
+            </a:r>
           </a:p>
         </p:txBody>
       </p:sp>
@@ -3396,6 +3411,1161 @@
     <p:extLst>
       <p:ext uri="{BB962C8B-B14F-4D97-AF65-F5344CB8AC3E}">
         <p14:creationId xmlns:p14="http://schemas.microsoft.com/office/powerpoint/2010/main" val="4218638710"/>
+      </p:ext>
+    </p:extLst>
+  </p:cSld>
+  <p:clrMapOvr>
+    <a:masterClrMapping/>
+  </p:clrMapOvr>
+</p:sld>
+</file>
+
+<file path=ppt/slides/slide2.xml><?xml version="1.0" encoding="utf-8"?>
+<p:sld xmlns:a="http://schemas.openxmlformats.org/drawingml/2006/main" xmlns:r="http://schemas.openxmlformats.org/officeDocument/2006/relationships" xmlns:p="http://schemas.openxmlformats.org/presentationml/2006/main">
+  <p:cSld>
+    <p:spTree>
+      <p:nvGrpSpPr>
+        <p:cNvPr id="1" name=""/>
+        <p:cNvGrpSpPr/>
+        <p:nvPr/>
+      </p:nvGrpSpPr>
+      <p:grpSpPr>
+        <a:xfrm>
+          <a:off x="0" y="0"/>
+          <a:ext cx="0" cy="0"/>
+          <a:chOff x="0" y="0"/>
+          <a:chExt cx="0" cy="0"/>
+        </a:xfrm>
+      </p:grpSpPr>
+      <p:sp>
+        <p:nvSpPr>
+          <p:cNvPr id="2" name="Title 1">
+            <a:extLst>
+              <a:ext uri="{FF2B5EF4-FFF2-40B4-BE49-F238E27FC236}">
+                <a16:creationId xmlns:a16="http://schemas.microsoft.com/office/drawing/2014/main" id="{F92ACDD8-5502-D588-17EE-A8D95C5DE136}"/>
+              </a:ext>
+            </a:extLst>
+          </p:cNvPr>
+          <p:cNvSpPr>
+            <a:spLocks noGrp="1"/>
+          </p:cNvSpPr>
+          <p:nvPr>
+            <p:ph type="title"/>
+          </p:nvPr>
+        </p:nvSpPr>
+        <p:spPr/>
+        <p:txBody>
+          <a:bodyPr/>
+          <a:lstStyle/>
+          <a:p>
+            <a:r>
+              <a:rPr lang="en-NL" dirty="0"/>
+              <a:t>Inhoud</a:t>
+            </a:r>
+          </a:p>
+        </p:txBody>
+      </p:sp>
+      <p:sp>
+        <p:nvSpPr>
+          <p:cNvPr id="3" name="Content Placeholder 2">
+            <a:extLst>
+              <a:ext uri="{FF2B5EF4-FFF2-40B4-BE49-F238E27FC236}">
+                <a16:creationId xmlns:a16="http://schemas.microsoft.com/office/drawing/2014/main" id="{E71FB631-E643-757C-D74F-6033CAA0322C}"/>
+              </a:ext>
+            </a:extLst>
+          </p:cNvPr>
+          <p:cNvSpPr>
+            <a:spLocks noGrp="1"/>
+          </p:cNvSpPr>
+          <p:nvPr>
+            <p:ph idx="1"/>
+          </p:nvPr>
+        </p:nvSpPr>
+        <p:spPr/>
+        <p:txBody>
+          <a:bodyPr/>
+          <a:lstStyle/>
+          <a:p>
+            <a:r>
+              <a:rPr lang="en-NL" dirty="0"/>
+              <a:t>Wat is HTML</a:t>
+            </a:r>
+          </a:p>
+          <a:p>
+            <a:r>
+              <a:rPr lang="en-NL" dirty="0"/>
+              <a:t>HTML elementen</a:t>
+            </a:r>
+          </a:p>
+          <a:p>
+            <a:r>
+              <a:rPr lang="en-NL" dirty="0"/>
+              <a:t>Wat is CSS</a:t>
+            </a:r>
+          </a:p>
+          <a:p>
+            <a:r>
+              <a:rPr lang="en-NL" dirty="0"/>
+              <a:t>CSS syntax</a:t>
+            </a:r>
+          </a:p>
+          <a:p>
+            <a:r>
+              <a:rPr lang="en-NL"/>
+              <a:t>HTML en CSS combineren</a:t>
+            </a:r>
+            <a:endParaRPr lang="en-NL" dirty="0"/>
+          </a:p>
+        </p:txBody>
+      </p:sp>
+    </p:spTree>
+    <p:extLst>
+      <p:ext uri="{BB962C8B-B14F-4D97-AF65-F5344CB8AC3E}">
+        <p14:creationId xmlns:p14="http://schemas.microsoft.com/office/powerpoint/2010/main" val="1650765931"/>
+      </p:ext>
+    </p:extLst>
+  </p:cSld>
+  <p:clrMapOvr>
+    <a:masterClrMapping/>
+  </p:clrMapOvr>
+</p:sld>
+</file>
+
+<file path=ppt/slides/slide3.xml><?xml version="1.0" encoding="utf-8"?>
+<p:sld xmlns:a="http://schemas.openxmlformats.org/drawingml/2006/main" xmlns:r="http://schemas.openxmlformats.org/officeDocument/2006/relationships" xmlns:p="http://schemas.openxmlformats.org/presentationml/2006/main">
+  <p:cSld>
+    <p:spTree>
+      <p:nvGrpSpPr>
+        <p:cNvPr id="1" name=""/>
+        <p:cNvGrpSpPr/>
+        <p:nvPr/>
+      </p:nvGrpSpPr>
+      <p:grpSpPr>
+        <a:xfrm>
+          <a:off x="0" y="0"/>
+          <a:ext cx="0" cy="0"/>
+          <a:chOff x="0" y="0"/>
+          <a:chExt cx="0" cy="0"/>
+        </a:xfrm>
+      </p:grpSpPr>
+      <p:sp>
+        <p:nvSpPr>
+          <p:cNvPr id="2" name="Title 1">
+            <a:extLst>
+              <a:ext uri="{FF2B5EF4-FFF2-40B4-BE49-F238E27FC236}">
+                <a16:creationId xmlns:a16="http://schemas.microsoft.com/office/drawing/2014/main" id="{4A54EBB4-05C2-99A3-792D-C017E4AB2F66}"/>
+              </a:ext>
+            </a:extLst>
+          </p:cNvPr>
+          <p:cNvSpPr>
+            <a:spLocks noGrp="1"/>
+          </p:cNvSpPr>
+          <p:nvPr>
+            <p:ph type="title"/>
+          </p:nvPr>
+        </p:nvSpPr>
+        <p:spPr/>
+        <p:txBody>
+          <a:bodyPr/>
+          <a:lstStyle/>
+          <a:p>
+            <a:r>
+              <a:rPr lang="en-NL" dirty="0"/>
+              <a:t>Wat is HTML</a:t>
+            </a:r>
+          </a:p>
+        </p:txBody>
+      </p:sp>
+      <p:sp>
+        <p:nvSpPr>
+          <p:cNvPr id="3" name="Content Placeholder 2">
+            <a:extLst>
+              <a:ext uri="{FF2B5EF4-FFF2-40B4-BE49-F238E27FC236}">
+                <a16:creationId xmlns:a16="http://schemas.microsoft.com/office/drawing/2014/main" id="{37F5B6B2-9FB6-77F9-C582-26182B562E3E}"/>
+              </a:ext>
+            </a:extLst>
+          </p:cNvPr>
+          <p:cNvSpPr>
+            <a:spLocks noGrp="1"/>
+          </p:cNvSpPr>
+          <p:nvPr>
+            <p:ph idx="1"/>
+          </p:nvPr>
+        </p:nvSpPr>
+        <p:spPr/>
+        <p:txBody>
+          <a:bodyPr/>
+          <a:lstStyle/>
+          <a:p>
+            <a:r>
+              <a:rPr lang="en-NL" dirty="0"/>
+              <a:t>Hypertext markup language</a:t>
+            </a:r>
+          </a:p>
+          <a:p>
+            <a:r>
+              <a:rPr lang="en-NL" dirty="0"/>
+              <a:t>Structureren van inhoud op het web</a:t>
+            </a:r>
+          </a:p>
+        </p:txBody>
+      </p:sp>
+      <p:sp>
+        <p:nvSpPr>
+          <p:cNvPr id="7" name="TextBox 6">
+            <a:extLst>
+              <a:ext uri="{FF2B5EF4-FFF2-40B4-BE49-F238E27FC236}">
+                <a16:creationId xmlns:a16="http://schemas.microsoft.com/office/drawing/2014/main" id="{A0184139-ADD7-A877-6CB4-5AD721ABC3DB}"/>
+              </a:ext>
+            </a:extLst>
+          </p:cNvPr>
+          <p:cNvSpPr txBox="1"/>
+          <p:nvPr/>
+        </p:nvSpPr>
+        <p:spPr>
+          <a:xfrm>
+            <a:off x="1912121" y="3131554"/>
+            <a:ext cx="6097424" cy="2308324"/>
+          </a:xfrm>
+          <a:prstGeom prst="rect">
+            <a:avLst/>
+          </a:prstGeom>
+          <a:noFill/>
+        </p:spPr>
+        <p:txBody>
+          <a:bodyPr wrap="square">
+            <a:spAutoFit/>
+          </a:bodyPr>
+          <a:lstStyle/>
+          <a:p>
+            <a:r>
+              <a:rPr lang="en-NL" dirty="0"/>
+              <a:t>&lt;html&gt;</a:t>
+            </a:r>
+          </a:p>
+          <a:p>
+            <a:r>
+              <a:rPr lang="en-NL" dirty="0"/>
+              <a:t>  &lt;head&gt;</a:t>
+            </a:r>
+          </a:p>
+          <a:p>
+            <a:r>
+              <a:rPr lang="en-NL" dirty="0"/>
+              <a:t>    &lt;title&gt;Mijn Eerste Pagina&lt;/title&gt;</a:t>
+            </a:r>
+          </a:p>
+          <a:p>
+            <a:r>
+              <a:rPr lang="en-NL" dirty="0"/>
+              <a:t>  &lt;/head&gt;</a:t>
+            </a:r>
+          </a:p>
+          <a:p>
+            <a:r>
+              <a:rPr lang="en-NL" dirty="0"/>
+              <a:t>  &lt;body&gt;</a:t>
+            </a:r>
+          </a:p>
+          <a:p>
+            <a:r>
+              <a:rPr lang="en-NL" dirty="0"/>
+              <a:t>    &lt;h1&gt;Hallo, Wereld!&lt;/h1&gt;</a:t>
+            </a:r>
+          </a:p>
+          <a:p>
+            <a:r>
+              <a:rPr lang="en-NL" dirty="0"/>
+              <a:t>  &lt;/body&gt;</a:t>
+            </a:r>
+          </a:p>
+          <a:p>
+            <a:r>
+              <a:rPr lang="en-NL" dirty="0"/>
+              <a:t>&lt;/html&gt;</a:t>
+            </a:r>
+          </a:p>
+        </p:txBody>
+      </p:sp>
+    </p:spTree>
+    <p:extLst>
+      <p:ext uri="{BB962C8B-B14F-4D97-AF65-F5344CB8AC3E}">
+        <p14:creationId xmlns:p14="http://schemas.microsoft.com/office/powerpoint/2010/main" val="2116303448"/>
+      </p:ext>
+    </p:extLst>
+  </p:cSld>
+  <p:clrMapOvr>
+    <a:masterClrMapping/>
+  </p:clrMapOvr>
+</p:sld>
+</file>
+
+<file path=ppt/slides/slide4.xml><?xml version="1.0" encoding="utf-8"?>
+<p:sld xmlns:a="http://schemas.openxmlformats.org/drawingml/2006/main" xmlns:r="http://schemas.openxmlformats.org/officeDocument/2006/relationships" xmlns:p="http://schemas.openxmlformats.org/presentationml/2006/main">
+  <p:cSld>
+    <p:spTree>
+      <p:nvGrpSpPr>
+        <p:cNvPr id="1" name=""/>
+        <p:cNvGrpSpPr/>
+        <p:nvPr/>
+      </p:nvGrpSpPr>
+      <p:grpSpPr>
+        <a:xfrm>
+          <a:off x="0" y="0"/>
+          <a:ext cx="0" cy="0"/>
+          <a:chOff x="0" y="0"/>
+          <a:chExt cx="0" cy="0"/>
+        </a:xfrm>
+      </p:grpSpPr>
+      <p:sp>
+        <p:nvSpPr>
+          <p:cNvPr id="2" name="Title 1">
+            <a:extLst>
+              <a:ext uri="{FF2B5EF4-FFF2-40B4-BE49-F238E27FC236}">
+                <a16:creationId xmlns:a16="http://schemas.microsoft.com/office/drawing/2014/main" id="{F1D9A989-4BA6-8628-8B1E-025D57A17970}"/>
+              </a:ext>
+            </a:extLst>
+          </p:cNvPr>
+          <p:cNvSpPr>
+            <a:spLocks noGrp="1"/>
+          </p:cNvSpPr>
+          <p:nvPr>
+            <p:ph type="title"/>
+          </p:nvPr>
+        </p:nvSpPr>
+        <p:spPr/>
+        <p:txBody>
+          <a:bodyPr/>
+          <a:lstStyle/>
+          <a:p>
+            <a:r>
+              <a:rPr lang="en-NL" dirty="0"/>
+              <a:t>HTML elementen</a:t>
+            </a:r>
+          </a:p>
+        </p:txBody>
+      </p:sp>
+      <p:sp>
+        <p:nvSpPr>
+          <p:cNvPr id="3" name="Content Placeholder 2">
+            <a:extLst>
+              <a:ext uri="{FF2B5EF4-FFF2-40B4-BE49-F238E27FC236}">
+                <a16:creationId xmlns:a16="http://schemas.microsoft.com/office/drawing/2014/main" id="{26128E9B-90FF-3991-A108-CF0B0EB8DFB8}"/>
+              </a:ext>
+            </a:extLst>
+          </p:cNvPr>
+          <p:cNvSpPr>
+            <a:spLocks noGrp="1"/>
+          </p:cNvSpPr>
+          <p:nvPr>
+            <p:ph idx="1"/>
+          </p:nvPr>
+        </p:nvSpPr>
+        <p:spPr/>
+        <p:txBody>
+          <a:bodyPr/>
+          <a:lstStyle/>
+          <a:p>
+            <a:r>
+              <a:rPr lang="en-GB" b="1" dirty="0"/>
+              <a:t>Tags:</a:t>
+            </a:r>
+            <a:r>
+              <a:rPr lang="en-GB" dirty="0"/>
+              <a:t> &lt;html&gt;, &lt;head&gt;, &lt;body&gt;, &lt;h1&gt;, etc. </a:t>
+            </a:r>
+          </a:p>
+          <a:p>
+            <a:r>
+              <a:rPr lang="en-GB" b="1" dirty="0" err="1"/>
+              <a:t>Attributen</a:t>
+            </a:r>
+            <a:r>
+              <a:rPr lang="en-GB" b="1" dirty="0"/>
+              <a:t>:</a:t>
+            </a:r>
+            <a:r>
+              <a:rPr lang="en-GB" dirty="0"/>
+              <a:t> </a:t>
+            </a:r>
+            <a:r>
+              <a:rPr lang="en-GB" dirty="0" err="1"/>
+              <a:t>Bieden</a:t>
+            </a:r>
+            <a:r>
+              <a:rPr lang="en-GB" dirty="0"/>
+              <a:t> extra </a:t>
+            </a:r>
+            <a:r>
+              <a:rPr lang="en-GB" dirty="0" err="1"/>
+              <a:t>informatie</a:t>
+            </a:r>
+            <a:r>
+              <a:rPr lang="en-GB" dirty="0"/>
+              <a:t> over </a:t>
+            </a:r>
+            <a:r>
+              <a:rPr lang="en-GB" dirty="0" err="1"/>
+              <a:t>elementen</a:t>
+            </a:r>
+            <a:endParaRPr lang="en-NL" dirty="0"/>
+          </a:p>
+        </p:txBody>
+      </p:sp>
+      <p:sp>
+        <p:nvSpPr>
+          <p:cNvPr id="5" name="TextBox 4">
+            <a:extLst>
+              <a:ext uri="{FF2B5EF4-FFF2-40B4-BE49-F238E27FC236}">
+                <a16:creationId xmlns:a16="http://schemas.microsoft.com/office/drawing/2014/main" id="{ABAE2E5A-0502-61FE-196D-D1C907470109}"/>
+              </a:ext>
+            </a:extLst>
+          </p:cNvPr>
+          <p:cNvSpPr txBox="1"/>
+          <p:nvPr/>
+        </p:nvSpPr>
+        <p:spPr>
+          <a:xfrm>
+            <a:off x="1672839" y="3429000"/>
+            <a:ext cx="6097424" cy="369332"/>
+          </a:xfrm>
+          <a:prstGeom prst="rect">
+            <a:avLst/>
+          </a:prstGeom>
+          <a:noFill/>
+        </p:spPr>
+        <p:txBody>
+          <a:bodyPr wrap="square">
+            <a:spAutoFit/>
+          </a:bodyPr>
+          <a:lstStyle/>
+          <a:p>
+            <a:r>
+              <a:rPr lang="en-NL" dirty="0"/>
+              <a:t>&lt;a href="https://example.com"&gt;Bezoek Example&lt;/a&gt;</a:t>
+            </a:r>
+          </a:p>
+        </p:txBody>
+      </p:sp>
+    </p:spTree>
+    <p:extLst>
+      <p:ext uri="{BB962C8B-B14F-4D97-AF65-F5344CB8AC3E}">
+        <p14:creationId xmlns:p14="http://schemas.microsoft.com/office/powerpoint/2010/main" val="3501249267"/>
+      </p:ext>
+    </p:extLst>
+  </p:cSld>
+  <p:clrMapOvr>
+    <a:masterClrMapping/>
+  </p:clrMapOvr>
+</p:sld>
+</file>
+
+<file path=ppt/slides/slide5.xml><?xml version="1.0" encoding="utf-8"?>
+<p:sld xmlns:a="http://schemas.openxmlformats.org/drawingml/2006/main" xmlns:r="http://schemas.openxmlformats.org/officeDocument/2006/relationships" xmlns:p="http://schemas.openxmlformats.org/presentationml/2006/main">
+  <p:cSld>
+    <p:spTree>
+      <p:nvGrpSpPr>
+        <p:cNvPr id="1" name=""/>
+        <p:cNvGrpSpPr/>
+        <p:nvPr/>
+      </p:nvGrpSpPr>
+      <p:grpSpPr>
+        <a:xfrm>
+          <a:off x="0" y="0"/>
+          <a:ext cx="0" cy="0"/>
+          <a:chOff x="0" y="0"/>
+          <a:chExt cx="0" cy="0"/>
+        </a:xfrm>
+      </p:grpSpPr>
+      <p:sp>
+        <p:nvSpPr>
+          <p:cNvPr id="2" name="Title 1">
+            <a:extLst>
+              <a:ext uri="{FF2B5EF4-FFF2-40B4-BE49-F238E27FC236}">
+                <a16:creationId xmlns:a16="http://schemas.microsoft.com/office/drawing/2014/main" id="{F099F632-1AD9-AB94-AD5F-27F2040419BA}"/>
+              </a:ext>
+            </a:extLst>
+          </p:cNvPr>
+          <p:cNvSpPr>
+            <a:spLocks noGrp="1"/>
+          </p:cNvSpPr>
+          <p:nvPr>
+            <p:ph type="title"/>
+          </p:nvPr>
+        </p:nvSpPr>
+        <p:spPr/>
+        <p:txBody>
+          <a:bodyPr/>
+          <a:lstStyle/>
+          <a:p>
+            <a:r>
+              <a:rPr lang="en-NL" dirty="0"/>
+              <a:t>Wat is CSS</a:t>
+            </a:r>
+          </a:p>
+        </p:txBody>
+      </p:sp>
+      <p:sp>
+        <p:nvSpPr>
+          <p:cNvPr id="3" name="Content Placeholder 2">
+            <a:extLst>
+              <a:ext uri="{FF2B5EF4-FFF2-40B4-BE49-F238E27FC236}">
+                <a16:creationId xmlns:a16="http://schemas.microsoft.com/office/drawing/2014/main" id="{282E26F7-B1F3-0BE3-2E10-54E2627B4A4C}"/>
+              </a:ext>
+            </a:extLst>
+          </p:cNvPr>
+          <p:cNvSpPr>
+            <a:spLocks noGrp="1"/>
+          </p:cNvSpPr>
+          <p:nvPr>
+            <p:ph idx="1"/>
+          </p:nvPr>
+        </p:nvSpPr>
+        <p:spPr/>
+        <p:txBody>
+          <a:bodyPr/>
+          <a:lstStyle/>
+          <a:p>
+            <a:r>
+              <a:rPr lang="en-NL" dirty="0"/>
+              <a:t>Cascading style sheets</a:t>
+            </a:r>
+          </a:p>
+          <a:p>
+            <a:r>
+              <a:rPr lang="en-GB" dirty="0"/>
+              <a:t>Stijl </a:t>
+            </a:r>
+            <a:r>
+              <a:rPr lang="en-GB" dirty="0" err="1"/>
+              <a:t>en</a:t>
+            </a:r>
+            <a:r>
+              <a:rPr lang="en-GB" dirty="0"/>
+              <a:t> lay-out van </a:t>
+            </a:r>
+            <a:r>
+              <a:rPr lang="en-GB" dirty="0" err="1"/>
+              <a:t>webpagina's</a:t>
+            </a:r>
+            <a:endParaRPr lang="en-NL" dirty="0"/>
+          </a:p>
+        </p:txBody>
+      </p:sp>
+      <p:sp>
+        <p:nvSpPr>
+          <p:cNvPr id="5" name="TextBox 4">
+            <a:extLst>
+              <a:ext uri="{FF2B5EF4-FFF2-40B4-BE49-F238E27FC236}">
+                <a16:creationId xmlns:a16="http://schemas.microsoft.com/office/drawing/2014/main" id="{8E3C604C-B488-7C81-DC97-8EDF89E3CF11}"/>
+              </a:ext>
+            </a:extLst>
+          </p:cNvPr>
+          <p:cNvSpPr txBox="1"/>
+          <p:nvPr/>
+        </p:nvSpPr>
+        <p:spPr>
+          <a:xfrm>
+            <a:off x="2339411" y="3218778"/>
+            <a:ext cx="6097424" cy="2031325"/>
+          </a:xfrm>
+          <a:prstGeom prst="rect">
+            <a:avLst/>
+          </a:prstGeom>
+          <a:noFill/>
+        </p:spPr>
+        <p:txBody>
+          <a:bodyPr wrap="square">
+            <a:spAutoFit/>
+          </a:bodyPr>
+          <a:lstStyle/>
+          <a:p>
+            <a:r>
+              <a:rPr lang="en-NL" dirty="0"/>
+              <a:t>body {</a:t>
+            </a:r>
+          </a:p>
+          <a:p>
+            <a:r>
+              <a:rPr lang="en-NL" dirty="0"/>
+              <a:t>  background-color: lightblue;</a:t>
+            </a:r>
+          </a:p>
+          <a:p>
+            <a:r>
+              <a:rPr lang="en-NL" dirty="0"/>
+              <a:t>}</a:t>
+            </a:r>
+          </a:p>
+          <a:p>
+            <a:r>
+              <a:rPr lang="en-NL" dirty="0"/>
+              <a:t>h1 {</a:t>
+            </a:r>
+          </a:p>
+          <a:p>
+            <a:r>
+              <a:rPr lang="en-NL" dirty="0"/>
+              <a:t>  color: navy;</a:t>
+            </a:r>
+          </a:p>
+          <a:p>
+            <a:r>
+              <a:rPr lang="en-NL" dirty="0"/>
+              <a:t>  text-align: center;</a:t>
+            </a:r>
+          </a:p>
+          <a:p>
+            <a:r>
+              <a:rPr lang="en-NL" dirty="0"/>
+              <a:t>}</a:t>
+            </a:r>
+          </a:p>
+        </p:txBody>
+      </p:sp>
+    </p:spTree>
+    <p:extLst>
+      <p:ext uri="{BB962C8B-B14F-4D97-AF65-F5344CB8AC3E}">
+        <p14:creationId xmlns:p14="http://schemas.microsoft.com/office/powerpoint/2010/main" val="1036217806"/>
+      </p:ext>
+    </p:extLst>
+  </p:cSld>
+  <p:clrMapOvr>
+    <a:masterClrMapping/>
+  </p:clrMapOvr>
+</p:sld>
+</file>
+
+<file path=ppt/slides/slide6.xml><?xml version="1.0" encoding="utf-8"?>
+<p:sld xmlns:a="http://schemas.openxmlformats.org/drawingml/2006/main" xmlns:r="http://schemas.openxmlformats.org/officeDocument/2006/relationships" xmlns:p="http://schemas.openxmlformats.org/presentationml/2006/main">
+  <p:cSld>
+    <p:spTree>
+      <p:nvGrpSpPr>
+        <p:cNvPr id="1" name=""/>
+        <p:cNvGrpSpPr/>
+        <p:nvPr/>
+      </p:nvGrpSpPr>
+      <p:grpSpPr>
+        <a:xfrm>
+          <a:off x="0" y="0"/>
+          <a:ext cx="0" cy="0"/>
+          <a:chOff x="0" y="0"/>
+          <a:chExt cx="0" cy="0"/>
+        </a:xfrm>
+      </p:grpSpPr>
+      <p:sp>
+        <p:nvSpPr>
+          <p:cNvPr id="2" name="Title 1">
+            <a:extLst>
+              <a:ext uri="{FF2B5EF4-FFF2-40B4-BE49-F238E27FC236}">
+                <a16:creationId xmlns:a16="http://schemas.microsoft.com/office/drawing/2014/main" id="{4B309FFD-2FF4-B14A-44E6-E577B0344966}"/>
+              </a:ext>
+            </a:extLst>
+          </p:cNvPr>
+          <p:cNvSpPr>
+            <a:spLocks noGrp="1"/>
+          </p:cNvSpPr>
+          <p:nvPr>
+            <p:ph type="title"/>
+          </p:nvPr>
+        </p:nvSpPr>
+        <p:spPr/>
+        <p:txBody>
+          <a:bodyPr/>
+          <a:lstStyle/>
+          <a:p>
+            <a:r>
+              <a:rPr lang="en-NL" dirty="0"/>
+              <a:t>CSS syntax</a:t>
+            </a:r>
+          </a:p>
+        </p:txBody>
+      </p:sp>
+      <p:sp>
+        <p:nvSpPr>
+          <p:cNvPr id="3" name="Content Placeholder 2">
+            <a:extLst>
+              <a:ext uri="{FF2B5EF4-FFF2-40B4-BE49-F238E27FC236}">
+                <a16:creationId xmlns:a16="http://schemas.microsoft.com/office/drawing/2014/main" id="{ABA1C138-B5D4-AE93-CCAA-7CE5906DDBA0}"/>
+              </a:ext>
+            </a:extLst>
+          </p:cNvPr>
+          <p:cNvSpPr>
+            <a:spLocks noGrp="1"/>
+          </p:cNvSpPr>
+          <p:nvPr>
+            <p:ph idx="1"/>
+          </p:nvPr>
+        </p:nvSpPr>
+        <p:spPr/>
+        <p:txBody>
+          <a:bodyPr/>
+          <a:lstStyle/>
+          <a:p>
+            <a:r>
+              <a:rPr lang="en-NL" dirty="0"/>
+              <a:t>HTML Selector</a:t>
+            </a:r>
+          </a:p>
+          <a:p>
+            <a:endParaRPr lang="en-NL" dirty="0"/>
+          </a:p>
+          <a:p>
+            <a:endParaRPr lang="en-NL" dirty="0"/>
+          </a:p>
+          <a:p>
+            <a:endParaRPr lang="en-NL" dirty="0"/>
+          </a:p>
+          <a:p>
+            <a:r>
+              <a:rPr lang="en-NL" dirty="0"/>
+              <a:t>ID selector</a:t>
+            </a:r>
+          </a:p>
+        </p:txBody>
+      </p:sp>
+      <p:sp>
+        <p:nvSpPr>
+          <p:cNvPr id="5" name="TextBox 4">
+            <a:extLst>
+              <a:ext uri="{FF2B5EF4-FFF2-40B4-BE49-F238E27FC236}">
+                <a16:creationId xmlns:a16="http://schemas.microsoft.com/office/drawing/2014/main" id="{7E3EE240-6193-BD2F-E25B-A740A7B550ED}"/>
+              </a:ext>
+            </a:extLst>
+          </p:cNvPr>
+          <p:cNvSpPr txBox="1"/>
+          <p:nvPr/>
+        </p:nvSpPr>
+        <p:spPr>
+          <a:xfrm>
+            <a:off x="1030481" y="2488688"/>
+            <a:ext cx="6097424" cy="1200329"/>
+          </a:xfrm>
+          <a:prstGeom prst="rect">
+            <a:avLst/>
+          </a:prstGeom>
+          <a:noFill/>
+        </p:spPr>
+        <p:txBody>
+          <a:bodyPr wrap="square">
+            <a:spAutoFit/>
+          </a:bodyPr>
+          <a:lstStyle/>
+          <a:p>
+            <a:r>
+              <a:rPr lang="en-NL" dirty="0"/>
+              <a:t>p {</a:t>
+            </a:r>
+          </a:p>
+          <a:p>
+            <a:r>
+              <a:rPr lang="en-NL" dirty="0"/>
+              <a:t>  font-size: 16px;</a:t>
+            </a:r>
+          </a:p>
+          <a:p>
+            <a:r>
+              <a:rPr lang="en-NL" dirty="0"/>
+              <a:t>  color: black;</a:t>
+            </a:r>
+          </a:p>
+          <a:p>
+            <a:r>
+              <a:rPr lang="en-NL" dirty="0"/>
+              <a:t>}</a:t>
+            </a:r>
+          </a:p>
+        </p:txBody>
+      </p:sp>
+      <p:sp>
+        <p:nvSpPr>
+          <p:cNvPr id="7" name="TextBox 6">
+            <a:extLst>
+              <a:ext uri="{FF2B5EF4-FFF2-40B4-BE49-F238E27FC236}">
+                <a16:creationId xmlns:a16="http://schemas.microsoft.com/office/drawing/2014/main" id="{BC250F76-2F53-DE46-75B8-5365A0999A3B}"/>
+              </a:ext>
+            </a:extLst>
+          </p:cNvPr>
+          <p:cNvSpPr txBox="1"/>
+          <p:nvPr/>
+        </p:nvSpPr>
+        <p:spPr>
+          <a:xfrm>
+            <a:off x="1030481" y="4711047"/>
+            <a:ext cx="6097424" cy="1200329"/>
+          </a:xfrm>
+          <a:prstGeom prst="rect">
+            <a:avLst/>
+          </a:prstGeom>
+          <a:noFill/>
+        </p:spPr>
+        <p:txBody>
+          <a:bodyPr wrap="square">
+            <a:spAutoFit/>
+          </a:bodyPr>
+          <a:lstStyle/>
+          <a:p>
+            <a:r>
+              <a:rPr lang="en-NL" dirty="0"/>
+              <a:t>#para1 {</a:t>
+            </a:r>
+          </a:p>
+          <a:p>
+            <a:r>
+              <a:rPr lang="en-NL" dirty="0"/>
+              <a:t>  text-align: center;</a:t>
+            </a:r>
+          </a:p>
+          <a:p>
+            <a:r>
+              <a:rPr lang="en-NL" dirty="0"/>
+              <a:t>  color: red;</a:t>
+            </a:r>
+          </a:p>
+          <a:p>
+            <a:r>
+              <a:rPr lang="en-NL" dirty="0"/>
+              <a:t>}</a:t>
+            </a:r>
+          </a:p>
+        </p:txBody>
+      </p:sp>
+    </p:spTree>
+    <p:extLst>
+      <p:ext uri="{BB962C8B-B14F-4D97-AF65-F5344CB8AC3E}">
+        <p14:creationId xmlns:p14="http://schemas.microsoft.com/office/powerpoint/2010/main" val="4227650543"/>
+      </p:ext>
+    </p:extLst>
+  </p:cSld>
+  <p:clrMapOvr>
+    <a:masterClrMapping/>
+  </p:clrMapOvr>
+</p:sld>
+</file>
+
+<file path=ppt/slides/slide7.xml><?xml version="1.0" encoding="utf-8"?>
+<p:sld xmlns:a="http://schemas.openxmlformats.org/drawingml/2006/main" xmlns:r="http://schemas.openxmlformats.org/officeDocument/2006/relationships" xmlns:p="http://schemas.openxmlformats.org/presentationml/2006/main">
+  <p:cSld>
+    <p:spTree>
+      <p:nvGrpSpPr>
+        <p:cNvPr id="1" name=""/>
+        <p:cNvGrpSpPr/>
+        <p:nvPr/>
+      </p:nvGrpSpPr>
+      <p:grpSpPr>
+        <a:xfrm>
+          <a:off x="0" y="0"/>
+          <a:ext cx="0" cy="0"/>
+          <a:chOff x="0" y="0"/>
+          <a:chExt cx="0" cy="0"/>
+        </a:xfrm>
+      </p:grpSpPr>
+      <p:sp>
+        <p:nvSpPr>
+          <p:cNvPr id="2" name="Title 1">
+            <a:extLst>
+              <a:ext uri="{FF2B5EF4-FFF2-40B4-BE49-F238E27FC236}">
+                <a16:creationId xmlns:a16="http://schemas.microsoft.com/office/drawing/2014/main" id="{A0FA380F-C77B-F45B-EBA5-C5CD7DB0F3B3}"/>
+              </a:ext>
+            </a:extLst>
+          </p:cNvPr>
+          <p:cNvSpPr>
+            <a:spLocks noGrp="1"/>
+          </p:cNvSpPr>
+          <p:nvPr>
+            <p:ph type="title"/>
+          </p:nvPr>
+        </p:nvSpPr>
+        <p:spPr/>
+        <p:txBody>
+          <a:bodyPr/>
+          <a:lstStyle/>
+          <a:p>
+            <a:r>
+              <a:rPr lang="en-NL" dirty="0"/>
+              <a:t>HTML en CSS combineren</a:t>
+            </a:r>
+          </a:p>
+        </p:txBody>
+      </p:sp>
+      <p:sp>
+        <p:nvSpPr>
+          <p:cNvPr id="3" name="Content Placeholder 2">
+            <a:extLst>
+              <a:ext uri="{FF2B5EF4-FFF2-40B4-BE49-F238E27FC236}">
+                <a16:creationId xmlns:a16="http://schemas.microsoft.com/office/drawing/2014/main" id="{CD0432F7-E57E-B571-41DE-D00171D91727}"/>
+              </a:ext>
+            </a:extLst>
+          </p:cNvPr>
+          <p:cNvSpPr>
+            <a:spLocks noGrp="1"/>
+          </p:cNvSpPr>
+          <p:nvPr>
+            <p:ph idx="1"/>
+          </p:nvPr>
+        </p:nvSpPr>
+        <p:spPr/>
+        <p:txBody>
+          <a:bodyPr/>
+          <a:lstStyle/>
+          <a:p>
+            <a:r>
+              <a:rPr lang="en-NL" dirty="0"/>
+              <a:t>Inline CSS:</a:t>
+            </a:r>
+          </a:p>
+          <a:p>
+            <a:endParaRPr lang="en-NL" dirty="0"/>
+          </a:p>
+          <a:p>
+            <a:r>
+              <a:rPr lang="en-NL" dirty="0"/>
+              <a:t>Interne CSS:</a:t>
+            </a:r>
+          </a:p>
+          <a:p>
+            <a:endParaRPr lang="en-NL" dirty="0"/>
+          </a:p>
+          <a:p>
+            <a:endParaRPr lang="en-NL" dirty="0"/>
+          </a:p>
+          <a:p>
+            <a:r>
+              <a:rPr lang="en-NL" dirty="0"/>
+              <a:t>Externe CSS</a:t>
+            </a:r>
+          </a:p>
+        </p:txBody>
+      </p:sp>
+      <p:sp>
+        <p:nvSpPr>
+          <p:cNvPr id="5" name="TextBox 4">
+            <a:extLst>
+              <a:ext uri="{FF2B5EF4-FFF2-40B4-BE49-F238E27FC236}">
+                <a16:creationId xmlns:a16="http://schemas.microsoft.com/office/drawing/2014/main" id="{2EB28D3C-A64E-56D5-2861-84C3E332DB62}"/>
+              </a:ext>
+            </a:extLst>
+          </p:cNvPr>
+          <p:cNvSpPr txBox="1"/>
+          <p:nvPr/>
+        </p:nvSpPr>
+        <p:spPr>
+          <a:xfrm>
+            <a:off x="1237004" y="2440948"/>
+            <a:ext cx="6097424" cy="369332"/>
+          </a:xfrm>
+          <a:prstGeom prst="rect">
+            <a:avLst/>
+          </a:prstGeom>
+          <a:noFill/>
+        </p:spPr>
+        <p:txBody>
+          <a:bodyPr wrap="square">
+            <a:spAutoFit/>
+          </a:bodyPr>
+          <a:lstStyle/>
+          <a:p>
+            <a:r>
+              <a:rPr lang="en-NL" dirty="0"/>
+              <a:t>&lt;h1 style="color:blue;"&gt;Hallo, Wereld!&lt;/h1&gt;</a:t>
+            </a:r>
+          </a:p>
+        </p:txBody>
+      </p:sp>
+      <p:sp>
+        <p:nvSpPr>
+          <p:cNvPr id="9" name="TextBox 8">
+            <a:extLst>
+              <a:ext uri="{FF2B5EF4-FFF2-40B4-BE49-F238E27FC236}">
+                <a16:creationId xmlns:a16="http://schemas.microsoft.com/office/drawing/2014/main" id="{07D30CD6-88BD-24A8-65F2-DAF5FE8808AF}"/>
+              </a:ext>
+            </a:extLst>
+          </p:cNvPr>
+          <p:cNvSpPr txBox="1"/>
+          <p:nvPr/>
+        </p:nvSpPr>
+        <p:spPr>
+          <a:xfrm>
+            <a:off x="1237004" y="3429000"/>
+            <a:ext cx="6097424" cy="923330"/>
+          </a:xfrm>
+          <a:prstGeom prst="rect">
+            <a:avLst/>
+          </a:prstGeom>
+          <a:noFill/>
+        </p:spPr>
+        <p:txBody>
+          <a:bodyPr wrap="square">
+            <a:spAutoFit/>
+          </a:bodyPr>
+          <a:lstStyle/>
+          <a:p>
+            <a:r>
+              <a:rPr lang="en-NL" dirty="0"/>
+              <a:t>&lt;style&gt;</a:t>
+            </a:r>
+          </a:p>
+          <a:p>
+            <a:r>
+              <a:rPr lang="en-NL" dirty="0"/>
+              <a:t>  body { background-color: lightblue; }</a:t>
+            </a:r>
+          </a:p>
+          <a:p>
+            <a:r>
+              <a:rPr lang="en-NL" dirty="0"/>
+              <a:t>&lt;/style&gt;</a:t>
+            </a:r>
+          </a:p>
+        </p:txBody>
+      </p:sp>
+      <p:sp>
+        <p:nvSpPr>
+          <p:cNvPr id="11" name="TextBox 10">
+            <a:extLst>
+              <a:ext uri="{FF2B5EF4-FFF2-40B4-BE49-F238E27FC236}">
+                <a16:creationId xmlns:a16="http://schemas.microsoft.com/office/drawing/2014/main" id="{0594BBBD-D46C-B269-756A-AE495F4D3905}"/>
+              </a:ext>
+            </a:extLst>
+          </p:cNvPr>
+          <p:cNvSpPr txBox="1"/>
+          <p:nvPr/>
+        </p:nvSpPr>
+        <p:spPr>
+          <a:xfrm>
+            <a:off x="1237004" y="5083758"/>
+            <a:ext cx="6097424" cy="369332"/>
+          </a:xfrm>
+          <a:prstGeom prst="rect">
+            <a:avLst/>
+          </a:prstGeom>
+          <a:noFill/>
+        </p:spPr>
+        <p:txBody>
+          <a:bodyPr wrap="square">
+            <a:spAutoFit/>
+          </a:bodyPr>
+          <a:lstStyle/>
+          <a:p>
+            <a:r>
+              <a:rPr lang="en-GB" dirty="0"/>
+              <a:t>&lt;link </a:t>
+            </a:r>
+            <a:r>
+              <a:rPr lang="en-GB" dirty="0" err="1"/>
+              <a:t>rel</a:t>
+            </a:r>
+            <a:r>
+              <a:rPr lang="en-GB" dirty="0"/>
+              <a:t>="stylesheet" </a:t>
+            </a:r>
+            <a:r>
+              <a:rPr lang="en-GB" dirty="0" err="1"/>
+              <a:t>href</a:t>
+            </a:r>
+            <a:r>
+              <a:rPr lang="en-GB" dirty="0"/>
+              <a:t>="</a:t>
+            </a:r>
+            <a:r>
+              <a:rPr lang="en-GB" dirty="0" err="1"/>
+              <a:t>styles.css</a:t>
+            </a:r>
+            <a:r>
+              <a:rPr lang="en-GB" dirty="0"/>
+              <a:t>"&gt;</a:t>
+            </a:r>
+            <a:endParaRPr lang="en-NL" dirty="0"/>
+          </a:p>
+        </p:txBody>
+      </p:sp>
+    </p:spTree>
+    <p:extLst>
+      <p:ext uri="{BB962C8B-B14F-4D97-AF65-F5344CB8AC3E}">
+        <p14:creationId xmlns:p14="http://schemas.microsoft.com/office/powerpoint/2010/main" val="86145604"/>
+      </p:ext>
+    </p:extLst>
+  </p:cSld>
+  <p:clrMapOvr>
+    <a:masterClrMapping/>
+  </p:clrMapOvr>
+</p:sld>
+</file>
+
+<file path=ppt/slides/slide8.xml><?xml version="1.0" encoding="utf-8"?>
+<p:sld xmlns:a="http://schemas.openxmlformats.org/drawingml/2006/main" xmlns:r="http://schemas.openxmlformats.org/officeDocument/2006/relationships" xmlns:p="http://schemas.openxmlformats.org/presentationml/2006/main">
+  <p:cSld>
+    <p:spTree>
+      <p:nvGrpSpPr>
+        <p:cNvPr id="1" name=""/>
+        <p:cNvGrpSpPr/>
+        <p:nvPr/>
+      </p:nvGrpSpPr>
+      <p:grpSpPr>
+        <a:xfrm>
+          <a:off x="0" y="0"/>
+          <a:ext cx="0" cy="0"/>
+          <a:chOff x="0" y="0"/>
+          <a:chExt cx="0" cy="0"/>
+        </a:xfrm>
+      </p:grpSpPr>
+      <p:sp>
+        <p:nvSpPr>
+          <p:cNvPr id="2" name="Title 1">
+            <a:extLst>
+              <a:ext uri="{FF2B5EF4-FFF2-40B4-BE49-F238E27FC236}">
+                <a16:creationId xmlns:a16="http://schemas.microsoft.com/office/drawing/2014/main" id="{C4F62D41-F404-D79A-1F82-A31FE5D57D91}"/>
+              </a:ext>
+            </a:extLst>
+          </p:cNvPr>
+          <p:cNvSpPr>
+            <a:spLocks noGrp="1"/>
+          </p:cNvSpPr>
+          <p:nvPr>
+            <p:ph type="title"/>
+          </p:nvPr>
+        </p:nvSpPr>
+        <p:spPr/>
+        <p:txBody>
+          <a:bodyPr/>
+          <a:lstStyle/>
+          <a:p>
+            <a:r>
+              <a:rPr lang="en-NL" dirty="0"/>
+              <a:t>Vragen</a:t>
+            </a:r>
+          </a:p>
+        </p:txBody>
+      </p:sp>
+      <p:sp>
+        <p:nvSpPr>
+          <p:cNvPr id="3" name="Content Placeholder 2">
+            <a:extLst>
+              <a:ext uri="{FF2B5EF4-FFF2-40B4-BE49-F238E27FC236}">
+                <a16:creationId xmlns:a16="http://schemas.microsoft.com/office/drawing/2014/main" id="{FE97011E-258D-D08B-BBC8-1DB43799B013}"/>
+              </a:ext>
+            </a:extLst>
+          </p:cNvPr>
+          <p:cNvSpPr>
+            <a:spLocks noGrp="1"/>
+          </p:cNvSpPr>
+          <p:nvPr>
+            <p:ph idx="1"/>
+          </p:nvPr>
+        </p:nvSpPr>
+        <p:spPr/>
+        <p:txBody>
+          <a:bodyPr/>
+          <a:lstStyle/>
+          <a:p>
+            <a:endParaRPr lang="en-NL"/>
+          </a:p>
+        </p:txBody>
+      </p:sp>
+    </p:spTree>
+    <p:extLst>
+      <p:ext uri="{BB962C8B-B14F-4D97-AF65-F5344CB8AC3E}">
+        <p14:creationId xmlns:p14="http://schemas.microsoft.com/office/powerpoint/2010/main" val="2386689292"/>
       </p:ext>
     </p:extLst>
   </p:cSld>
